--- a/results/figures/pptx/impact_work_s3.pptx
+++ b/results/figures/pptx/impact_work_s3.pptx
@@ -2271,14 +2271,14 @@
           </p:nvSpPr>
           <p:spPr>
             <a:xfrm>
-              <a:off x="1145372" y="5942053"/>
-              <a:ext cx="833238" cy="146773"/>
+              <a:off x="1145372" y="4107381"/>
+              <a:ext cx="833238" cy="1981446"/>
             </a:xfrm>
             <a:prstGeom prst="rect">
               <a:avLst/>
             </a:prstGeom>
             <a:solidFill>
-              <a:srgbClr val="2196F3">
+              <a:srgbClr val="B0BEC5">
                 <a:alpha val="100000"/>
               </a:srgbClr>
             </a:solidFill>
@@ -2297,14 +2297,14 @@
           </p:nvSpPr>
           <p:spPr>
             <a:xfrm>
-              <a:off x="2071193" y="5501731"/>
-              <a:ext cx="833238" cy="587095"/>
+              <a:off x="2071193" y="5942053"/>
+              <a:ext cx="833238" cy="146773"/>
             </a:xfrm>
             <a:prstGeom prst="rect">
               <a:avLst/>
             </a:prstGeom>
             <a:solidFill>
-              <a:srgbClr val="39A495">
+              <a:srgbClr val="4CAF50">
                 <a:alpha val="100000"/>
               </a:srgbClr>
             </a:solidFill>
@@ -2323,14 +2323,14 @@
           </p:nvSpPr>
           <p:spPr>
             <a:xfrm>
-              <a:off x="2997014" y="5575118"/>
-              <a:ext cx="833238" cy="513708"/>
+              <a:off x="2997014" y="5501731"/>
+              <a:ext cx="833238" cy="587095"/>
             </a:xfrm>
             <a:prstGeom prst="rect">
               <a:avLst/>
             </a:prstGeom>
             <a:solidFill>
-              <a:srgbClr val="65B145">
+              <a:srgbClr val="8BC34A">
                 <a:alpha val="100000"/>
               </a:srgbClr>
             </a:solidFill>
@@ -2349,14 +2349,14 @@
           </p:nvSpPr>
           <p:spPr>
             <a:xfrm>
-              <a:off x="3922835" y="4914636"/>
-              <a:ext cx="833238" cy="1174190"/>
+              <a:off x="3922835" y="5575118"/>
+              <a:ext cx="833238" cy="513708"/>
             </a:xfrm>
             <a:prstGeom prst="rect">
               <a:avLst/>
             </a:prstGeom>
             <a:solidFill>
-              <a:srgbClr val="CBBB1B">
+              <a:srgbClr val="FFC107">
                 <a:alpha val="100000"/>
               </a:srgbClr>
             </a:solidFill>
@@ -2382,7 +2382,7 @@
               <a:avLst/>
             </a:prstGeom>
             <a:solidFill>
-              <a:srgbClr val="E29537">
+              <a:srgbClr val="FF9800">
                 <a:alpha val="100000"/>
               </a:srgbClr>
             </a:solidFill>
@@ -2408,7 +2408,7 @@
               <a:avLst/>
             </a:prstGeom>
             <a:solidFill>
-              <a:srgbClr val="AA3D97">
+              <a:srgbClr val="FF5722">
                 <a:alpha val="100000"/>
               </a:srgbClr>
             </a:solidFill>
@@ -2434,7 +2434,7 @@
               <a:avLst/>
             </a:prstGeom>
             <a:solidFill>
-              <a:srgbClr val="C1327B">
+              <a:srgbClr val="F4511E">
                 <a:alpha val="100000"/>
               </a:srgbClr>
             </a:solidFill>
@@ -2453,14 +2453,14 @@
           </p:nvSpPr>
           <p:spPr>
             <a:xfrm>
-              <a:off x="7626120" y="4107381"/>
-              <a:ext cx="833238" cy="1981446"/>
+              <a:off x="7626120" y="4914636"/>
+              <a:ext cx="833238" cy="1174190"/>
             </a:xfrm>
             <a:prstGeom prst="rect">
               <a:avLst/>
             </a:prstGeom>
             <a:solidFill>
-              <a:srgbClr val="F44336">
+              <a:srgbClr val="E64A19">
                 <a:alpha val="100000"/>
               </a:srgbClr>
             </a:solidFill>
@@ -2479,8 +2479,8 @@
           </p:nvSpPr>
           <p:spPr>
             <a:xfrm>
-              <a:off x="1511750" y="5357269"/>
-              <a:ext cx="100482" cy="129860"/>
+              <a:off x="1481605" y="3639554"/>
+              <a:ext cx="160772" cy="103888"/>
             </a:xfrm>
             <a:prstGeom prst="rect">
               <a:avLst/>
@@ -2493,7 +2493,7 @@
             <a:p>
               <a:pPr algn="l" marL="0" marR="0" indent="0">
                 <a:lnSpc>
-                  <a:spcPts val="1422"/>
+                  <a:spcPts val="1138"/>
                 </a:lnSpc>
                 <a:spcBef>
                   <a:spcPts val="0"/>
@@ -2503,7 +2503,99 @@
                 </a:spcAft>
               </a:pPr>
               <a:r>
-                <a:rPr sz="1422">
+                <a:rPr sz="1138">
+                  <a:solidFill>
+                    <a:srgbClr val="000000">
+                      <a:alpha val="100000"/>
+                    </a:srgbClr>
+                  </a:solidFill>
+                  <a:latin typeface="Arial"/>
+                  <a:cs typeface="Arial"/>
+                </a:rPr>
+                <a:t>27</a:t>
+              </a:r>
+            </a:p>
+          </p:txBody>
+        </p:sp>
+        <p:sp>
+          <p:nvSpPr>
+            <p:cNvPr id="13" name="tx13"/>
+            <p:cNvSpPr/>
+            <p:nvPr/>
+          </p:nvSpPr>
+          <p:spPr>
+            <a:xfrm>
+              <a:off x="1369213" y="3815932"/>
+              <a:ext cx="385557" cy="135647"/>
+            </a:xfrm>
+            <a:prstGeom prst="rect">
+              <a:avLst/>
+            </a:prstGeom>
+            <a:noFill/>
+          </p:spPr>
+          <p:txBody>
+            <a:bodyPr lIns="0" rIns="0" tIns="0" bIns="0" anchorCtr="1" anchor="ctr" wrap="none"/>
+            <a:lstStyle/>
+            <a:p>
+              <a:pPr algn="l" marL="0" marR="0" indent="0">
+                <a:lnSpc>
+                  <a:spcPts val="1138"/>
+                </a:lnSpc>
+                <a:spcBef>
+                  <a:spcPts val="0"/>
+                </a:spcBef>
+                <a:spcAft>
+                  <a:spcPts val="0"/>
+                </a:spcAft>
+              </a:pPr>
+              <a:r>
+                <a:rPr sz="1138">
+                  <a:solidFill>
+                    <a:srgbClr val="000000">
+                      <a:alpha val="100000"/>
+                    </a:srgbClr>
+                  </a:solidFill>
+                  <a:latin typeface="Arial"/>
+                  <a:cs typeface="Arial"/>
+                </a:rPr>
+                <a:t>(19%)</a:t>
+              </a:r>
+            </a:p>
+          </p:txBody>
+        </p:sp>
+        <p:sp>
+          <p:nvSpPr>
+            <p:cNvPr id="14" name="tx14"/>
+            <p:cNvSpPr/>
+            <p:nvPr/>
+          </p:nvSpPr>
+          <p:spPr>
+            <a:xfrm>
+              <a:off x="2447619" y="5474226"/>
+              <a:ext cx="80386" cy="103888"/>
+            </a:xfrm>
+            <a:prstGeom prst="rect">
+              <a:avLst/>
+            </a:prstGeom>
+            <a:noFill/>
+          </p:spPr>
+          <p:txBody>
+            <a:bodyPr lIns="0" rIns="0" tIns="0" bIns="0" anchorCtr="1" anchor="ctr" wrap="none"/>
+            <a:lstStyle/>
+            <a:p>
+              <a:pPr algn="l" marL="0" marR="0" indent="0">
+                <a:lnSpc>
+                  <a:spcPts val="1138"/>
+                </a:lnSpc>
+                <a:spcBef>
+                  <a:spcPts val="0"/>
+                </a:spcBef>
+                <a:spcAft>
+                  <a:spcPts val="0"/>
+                </a:spcAft>
+              </a:pPr>
+              <a:r>
+                <a:rPr sz="1138">
                   <a:solidFill>
                     <a:srgbClr val="000000">
                       <a:alpha val="100000"/>
@@ -2519,14 +2611,14 @@
         </p:sp>
         <p:sp>
           <p:nvSpPr>
-            <p:cNvPr id="13" name="tx13"/>
-            <p:cNvSpPr/>
-            <p:nvPr/>
-          </p:nvSpPr>
-          <p:spPr>
-            <a:xfrm>
-              <a:off x="1371259" y="5577742"/>
-              <a:ext cx="381464" cy="169559"/>
+            <p:cNvPr id="15" name="tx15"/>
+            <p:cNvSpPr/>
+            <p:nvPr/>
+          </p:nvSpPr>
+          <p:spPr>
+            <a:xfrm>
+              <a:off x="2335227" y="5650604"/>
+              <a:ext cx="305171" cy="135647"/>
             </a:xfrm>
             <a:prstGeom prst="rect">
               <a:avLst/>
@@ -2539,7 +2631,7 @@
             <a:p>
               <a:pPr algn="l" marL="0" marR="0" indent="0">
                 <a:lnSpc>
-                  <a:spcPts val="1422"/>
+                  <a:spcPts val="1138"/>
                 </a:lnSpc>
                 <a:spcBef>
                   <a:spcPts val="0"/>
@@ -2549,7 +2641,7 @@
                 </a:spcAft>
               </a:pPr>
               <a:r>
-                <a:rPr sz="1422">
+                <a:rPr sz="1138">
                   <a:solidFill>
                     <a:srgbClr val="000000">
                       <a:alpha val="100000"/>
@@ -2565,14 +2657,14 @@
         </p:sp>
         <p:sp>
           <p:nvSpPr>
-            <p:cNvPr id="14" name="tx14"/>
-            <p:cNvSpPr/>
-            <p:nvPr/>
-          </p:nvSpPr>
-          <p:spPr>
-            <a:xfrm>
-              <a:off x="2437571" y="4914742"/>
-              <a:ext cx="100482" cy="132065"/>
+            <p:cNvPr id="16" name="tx16"/>
+            <p:cNvSpPr/>
+            <p:nvPr/>
+          </p:nvSpPr>
+          <p:spPr>
+            <a:xfrm>
+              <a:off x="3373441" y="5032140"/>
+              <a:ext cx="80386" cy="105652"/>
             </a:xfrm>
             <a:prstGeom prst="rect">
               <a:avLst/>
@@ -2585,7 +2677,7 @@
             <a:p>
               <a:pPr algn="l" marL="0" marR="0" indent="0">
                 <a:lnSpc>
-                  <a:spcPts val="1422"/>
+                  <a:spcPts val="1138"/>
                 </a:lnSpc>
                 <a:spcBef>
                   <a:spcPts val="0"/>
@@ -2595,7 +2687,7 @@
                 </a:spcAft>
               </a:pPr>
               <a:r>
-                <a:rPr sz="1422">
+                <a:rPr sz="1138">
                   <a:solidFill>
                     <a:srgbClr val="000000">
                       <a:alpha val="100000"/>
@@ -2611,14 +2703,14 @@
         </p:sp>
         <p:sp>
           <p:nvSpPr>
-            <p:cNvPr id="15" name="tx15"/>
-            <p:cNvSpPr/>
-            <p:nvPr/>
-          </p:nvSpPr>
-          <p:spPr>
-            <a:xfrm>
-              <a:off x="2297080" y="5137421"/>
-              <a:ext cx="381464" cy="169559"/>
+            <p:cNvPr id="17" name="tx17"/>
+            <p:cNvSpPr/>
+            <p:nvPr/>
+          </p:nvSpPr>
+          <p:spPr>
+            <a:xfrm>
+              <a:off x="3261048" y="5210283"/>
+              <a:ext cx="305171" cy="135647"/>
             </a:xfrm>
             <a:prstGeom prst="rect">
               <a:avLst/>
@@ -2631,7 +2723,7 @@
             <a:p>
               <a:pPr algn="l" marL="0" marR="0" indent="0">
                 <a:lnSpc>
-                  <a:spcPts val="1422"/>
+                  <a:spcPts val="1138"/>
                 </a:lnSpc>
                 <a:spcBef>
                   <a:spcPts val="0"/>
@@ -2641,7 +2733,7 @@
                 </a:spcAft>
               </a:pPr>
               <a:r>
-                <a:rPr sz="1422">
+                <a:rPr sz="1138">
                   <a:solidFill>
                     <a:srgbClr val="000000">
                       <a:alpha val="100000"/>
@@ -2657,14 +2749,14 @@
         </p:sp>
         <p:sp>
           <p:nvSpPr>
-            <p:cNvPr id="16" name="tx16"/>
-            <p:cNvSpPr/>
-            <p:nvPr/>
-          </p:nvSpPr>
-          <p:spPr>
-            <a:xfrm>
-              <a:off x="3363392" y="4992540"/>
-              <a:ext cx="100482" cy="127654"/>
+            <p:cNvPr id="18" name="tx18"/>
+            <p:cNvSpPr/>
+            <p:nvPr/>
+          </p:nvSpPr>
+          <p:spPr>
+            <a:xfrm>
+              <a:off x="4299262" y="5109056"/>
+              <a:ext cx="80386" cy="102123"/>
             </a:xfrm>
             <a:prstGeom prst="rect">
               <a:avLst/>
@@ -2677,7 +2769,7 @@
             <a:p>
               <a:pPr algn="l" marL="0" marR="0" indent="0">
                 <a:lnSpc>
-                  <a:spcPts val="1422"/>
+                  <a:spcPts val="1138"/>
                 </a:lnSpc>
                 <a:spcBef>
                   <a:spcPts val="0"/>
@@ -2687,7 +2779,7 @@
                 </a:spcAft>
               </a:pPr>
               <a:r>
-                <a:rPr sz="1422">
+                <a:rPr sz="1138">
                   <a:solidFill>
                     <a:srgbClr val="000000">
                       <a:alpha val="100000"/>
@@ -2703,14 +2795,14 @@
         </p:sp>
         <p:sp>
           <p:nvSpPr>
-            <p:cNvPr id="17" name="tx17"/>
-            <p:cNvSpPr/>
-            <p:nvPr/>
-          </p:nvSpPr>
-          <p:spPr>
-            <a:xfrm>
-              <a:off x="3222902" y="5210808"/>
-              <a:ext cx="381464" cy="169559"/>
+            <p:cNvPr id="19" name="tx19"/>
+            <p:cNvSpPr/>
+            <p:nvPr/>
+          </p:nvSpPr>
+          <p:spPr>
+            <a:xfrm>
+              <a:off x="4186869" y="5283670"/>
+              <a:ext cx="305171" cy="135647"/>
             </a:xfrm>
             <a:prstGeom prst="rect">
               <a:avLst/>
@@ -2723,7 +2815,7 @@
             <a:p>
               <a:pPr algn="l" marL="0" marR="0" indent="0">
                 <a:lnSpc>
-                  <a:spcPts val="1422"/>
+                  <a:spcPts val="1138"/>
                 </a:lnSpc>
                 <a:spcBef>
                   <a:spcPts val="0"/>
@@ -2733,7 +2825,7 @@
                 </a:spcAft>
               </a:pPr>
               <a:r>
-                <a:rPr sz="1422">
+                <a:rPr sz="1138">
                   <a:solidFill>
                     <a:srgbClr val="000000">
                       <a:alpha val="100000"/>
@@ -2749,14 +2841,14 @@
         </p:sp>
         <p:sp>
           <p:nvSpPr>
-            <p:cNvPr id="18" name="tx18"/>
-            <p:cNvSpPr/>
-            <p:nvPr/>
-          </p:nvSpPr>
-          <p:spPr>
-            <a:xfrm>
-              <a:off x="4238972" y="4327647"/>
-              <a:ext cx="200965" cy="132065"/>
+            <p:cNvPr id="20" name="tx20"/>
+            <p:cNvSpPr/>
+            <p:nvPr/>
+          </p:nvSpPr>
+          <p:spPr>
+            <a:xfrm>
+              <a:off x="5184890" y="2096665"/>
+              <a:ext cx="160772" cy="105652"/>
             </a:xfrm>
             <a:prstGeom prst="rect">
               <a:avLst/>
@@ -2769,7 +2861,7 @@
             <a:p>
               <a:pPr algn="l" marL="0" marR="0" indent="0">
                 <a:lnSpc>
-                  <a:spcPts val="1422"/>
+                  <a:spcPts val="1138"/>
                 </a:lnSpc>
                 <a:spcBef>
                   <a:spcPts val="0"/>
@@ -2779,7 +2871,283 @@
                 </a:spcAft>
               </a:pPr>
               <a:r>
-                <a:rPr sz="1422">
+                <a:rPr sz="1138">
+                  <a:solidFill>
+                    <a:srgbClr val="000000">
+                      <a:alpha val="100000"/>
+                    </a:srgbClr>
+                  </a:solidFill>
+                  <a:latin typeface="Arial"/>
+                  <a:cs typeface="Arial"/>
+                </a:rPr>
+                <a:t>48</a:t>
+              </a:r>
+            </a:p>
+          </p:txBody>
+        </p:sp>
+        <p:sp>
+          <p:nvSpPr>
+            <p:cNvPr id="21" name="tx21"/>
+            <p:cNvSpPr/>
+            <p:nvPr/>
+          </p:nvSpPr>
+          <p:spPr>
+            <a:xfrm>
+              <a:off x="5072497" y="2274807"/>
+              <a:ext cx="385557" cy="135647"/>
+            </a:xfrm>
+            <a:prstGeom prst="rect">
+              <a:avLst/>
+            </a:prstGeom>
+            <a:noFill/>
+          </p:spPr>
+          <p:txBody>
+            <a:bodyPr lIns="0" rIns="0" tIns="0" bIns="0" anchorCtr="1" anchor="ctr" wrap="none"/>
+            <a:lstStyle/>
+            <a:p>
+              <a:pPr algn="l" marL="0" marR="0" indent="0">
+                <a:lnSpc>
+                  <a:spcPts val="1138"/>
+                </a:lnSpc>
+                <a:spcBef>
+                  <a:spcPts val="0"/>
+                </a:spcBef>
+                <a:spcAft>
+                  <a:spcPts val="0"/>
+                </a:spcAft>
+              </a:pPr>
+              <a:r>
+                <a:rPr sz="1138">
+                  <a:solidFill>
+                    <a:srgbClr val="000000">
+                      <a:alpha val="100000"/>
+                    </a:srgbClr>
+                  </a:solidFill>
+                  <a:latin typeface="Arial"/>
+                  <a:cs typeface="Arial"/>
+                </a:rPr>
+                <a:t>(33%)</a:t>
+              </a:r>
+            </a:p>
+          </p:txBody>
+        </p:sp>
+        <p:sp>
+          <p:nvSpPr>
+            <p:cNvPr id="22" name="tx22"/>
+            <p:cNvSpPr/>
+            <p:nvPr/>
+          </p:nvSpPr>
+          <p:spPr>
+            <a:xfrm>
+              <a:off x="6110711" y="4224884"/>
+              <a:ext cx="160772" cy="105652"/>
+            </a:xfrm>
+            <a:prstGeom prst="rect">
+              <a:avLst/>
+            </a:prstGeom>
+            <a:noFill/>
+          </p:spPr>
+          <p:txBody>
+            <a:bodyPr lIns="0" rIns="0" tIns="0" bIns="0" anchorCtr="1" anchor="ctr" wrap="none"/>
+            <a:lstStyle/>
+            <a:p>
+              <a:pPr algn="l" marL="0" marR="0" indent="0">
+                <a:lnSpc>
+                  <a:spcPts val="1138"/>
+                </a:lnSpc>
+                <a:spcBef>
+                  <a:spcPts val="0"/>
+                </a:spcBef>
+                <a:spcAft>
+                  <a:spcPts val="0"/>
+                </a:spcAft>
+              </a:pPr>
+              <a:r>
+                <a:rPr sz="1138">
+                  <a:solidFill>
+                    <a:srgbClr val="000000">
+                      <a:alpha val="100000"/>
+                    </a:srgbClr>
+                  </a:solidFill>
+                  <a:latin typeface="Arial"/>
+                  <a:cs typeface="Arial"/>
+                </a:rPr>
+                <a:t>19</a:t>
+              </a:r>
+            </a:p>
+          </p:txBody>
+        </p:sp>
+        <p:sp>
+          <p:nvSpPr>
+            <p:cNvPr id="23" name="tx23"/>
+            <p:cNvSpPr/>
+            <p:nvPr/>
+          </p:nvSpPr>
+          <p:spPr>
+            <a:xfrm>
+              <a:off x="5998318" y="4403027"/>
+              <a:ext cx="385557" cy="135647"/>
+            </a:xfrm>
+            <a:prstGeom prst="rect">
+              <a:avLst/>
+            </a:prstGeom>
+            <a:noFill/>
+          </p:spPr>
+          <p:txBody>
+            <a:bodyPr lIns="0" rIns="0" tIns="0" bIns="0" anchorCtr="1" anchor="ctr" wrap="none"/>
+            <a:lstStyle/>
+            <a:p>
+              <a:pPr algn="l" marL="0" marR="0" indent="0">
+                <a:lnSpc>
+                  <a:spcPts val="1138"/>
+                </a:lnSpc>
+                <a:spcBef>
+                  <a:spcPts val="0"/>
+                </a:spcBef>
+                <a:spcAft>
+                  <a:spcPts val="0"/>
+                </a:spcAft>
+              </a:pPr>
+              <a:r>
+                <a:rPr sz="1138">
+                  <a:solidFill>
+                    <a:srgbClr val="000000">
+                      <a:alpha val="100000"/>
+                    </a:srgbClr>
+                  </a:solidFill>
+                  <a:latin typeface="Arial"/>
+                  <a:cs typeface="Arial"/>
+                </a:rPr>
+                <a:t>(13%)</a:t>
+              </a:r>
+            </a:p>
+          </p:txBody>
+        </p:sp>
+        <p:sp>
+          <p:nvSpPr>
+            <p:cNvPr id="24" name="tx24"/>
+            <p:cNvSpPr/>
+            <p:nvPr/>
+          </p:nvSpPr>
+          <p:spPr>
+            <a:xfrm>
+              <a:off x="7036532" y="4373423"/>
+              <a:ext cx="160772" cy="103888"/>
+            </a:xfrm>
+            <a:prstGeom prst="rect">
+              <a:avLst/>
+            </a:prstGeom>
+            <a:noFill/>
+          </p:spPr>
+          <p:txBody>
+            <a:bodyPr lIns="0" rIns="0" tIns="0" bIns="0" anchorCtr="1" anchor="ctr" wrap="none"/>
+            <a:lstStyle/>
+            <a:p>
+              <a:pPr algn="l" marL="0" marR="0" indent="0">
+                <a:lnSpc>
+                  <a:spcPts val="1138"/>
+                </a:lnSpc>
+                <a:spcBef>
+                  <a:spcPts val="0"/>
+                </a:spcBef>
+                <a:spcAft>
+                  <a:spcPts val="0"/>
+                </a:spcAft>
+              </a:pPr>
+              <a:r>
+                <a:rPr sz="1138">
+                  <a:solidFill>
+                    <a:srgbClr val="000000">
+                      <a:alpha val="100000"/>
+                    </a:srgbClr>
+                  </a:solidFill>
+                  <a:latin typeface="Arial"/>
+                  <a:cs typeface="Arial"/>
+                </a:rPr>
+                <a:t>17</a:t>
+              </a:r>
+            </a:p>
+          </p:txBody>
+        </p:sp>
+        <p:sp>
+          <p:nvSpPr>
+            <p:cNvPr id="25" name="tx25"/>
+            <p:cNvSpPr/>
+            <p:nvPr/>
+          </p:nvSpPr>
+          <p:spPr>
+            <a:xfrm>
+              <a:off x="6924139" y="4549801"/>
+              <a:ext cx="385557" cy="135647"/>
+            </a:xfrm>
+            <a:prstGeom prst="rect">
+              <a:avLst/>
+            </a:prstGeom>
+            <a:noFill/>
+          </p:spPr>
+          <p:txBody>
+            <a:bodyPr lIns="0" rIns="0" tIns="0" bIns="0" anchorCtr="1" anchor="ctr" wrap="none"/>
+            <a:lstStyle/>
+            <a:p>
+              <a:pPr algn="l" marL="0" marR="0" indent="0">
+                <a:lnSpc>
+                  <a:spcPts val="1138"/>
+                </a:lnSpc>
+                <a:spcBef>
+                  <a:spcPts val="0"/>
+                </a:spcBef>
+                <a:spcAft>
+                  <a:spcPts val="0"/>
+                </a:spcAft>
+              </a:pPr>
+              <a:r>
+                <a:rPr sz="1138">
+                  <a:solidFill>
+                    <a:srgbClr val="000000">
+                      <a:alpha val="100000"/>
+                    </a:srgbClr>
+                  </a:solidFill>
+                  <a:latin typeface="Arial"/>
+                  <a:cs typeface="Arial"/>
+                </a:rPr>
+                <a:t>(12%)</a:t>
+              </a:r>
+            </a:p>
+          </p:txBody>
+        </p:sp>
+        <p:sp>
+          <p:nvSpPr>
+            <p:cNvPr id="26" name="tx26"/>
+            <p:cNvSpPr/>
+            <p:nvPr/>
+          </p:nvSpPr>
+          <p:spPr>
+            <a:xfrm>
+              <a:off x="7962353" y="4445045"/>
+              <a:ext cx="160772" cy="105652"/>
+            </a:xfrm>
+            <a:prstGeom prst="rect">
+              <a:avLst/>
+            </a:prstGeom>
+            <a:noFill/>
+          </p:spPr>
+          <p:txBody>
+            <a:bodyPr lIns="0" rIns="0" tIns="0" bIns="0" anchorCtr="1" anchor="ctr" wrap="none"/>
+            <a:lstStyle/>
+            <a:p>
+              <a:pPr algn="l" marL="0" marR="0" indent="0">
+                <a:lnSpc>
+                  <a:spcPts val="1138"/>
+                </a:lnSpc>
+                <a:spcBef>
+                  <a:spcPts val="0"/>
+                </a:spcBef>
+                <a:spcAft>
+                  <a:spcPts val="0"/>
+                </a:spcAft>
+              </a:pPr>
+              <a:r>
+                <a:rPr sz="1138">
                   <a:solidFill>
                     <a:srgbClr val="000000">
                       <a:alpha val="100000"/>
@@ -2795,14 +3163,14 @@
         </p:sp>
         <p:sp>
           <p:nvSpPr>
-            <p:cNvPr id="19" name="tx19"/>
-            <p:cNvSpPr/>
-            <p:nvPr/>
-          </p:nvSpPr>
-          <p:spPr>
-            <a:xfrm>
-              <a:off x="4098481" y="4550326"/>
-              <a:ext cx="481947" cy="169559"/>
+            <p:cNvPr id="27" name="tx27"/>
+            <p:cNvSpPr/>
+            <p:nvPr/>
+          </p:nvSpPr>
+          <p:spPr>
+            <a:xfrm>
+              <a:off x="7849960" y="4623188"/>
+              <a:ext cx="385557" cy="135647"/>
             </a:xfrm>
             <a:prstGeom prst="rect">
               <a:avLst/>
@@ -2815,7 +3183,7 @@
             <a:p>
               <a:pPr algn="l" marL="0" marR="0" indent="0">
                 <a:lnSpc>
-                  <a:spcPts val="1422"/>
+                  <a:spcPts val="1138"/>
                 </a:lnSpc>
                 <a:spcBef>
                   <a:spcPts val="0"/>
@@ -2825,7 +3193,7 @@
                 </a:spcAft>
               </a:pPr>
               <a:r>
-                <a:rPr sz="1422">
+                <a:rPr sz="1138">
                   <a:solidFill>
                     <a:srgbClr val="000000">
                       <a:alpha val="100000"/>
@@ -2835,374 +3203,6 @@
                   <a:cs typeface="Arial"/>
                 </a:rPr>
                 <a:t>(11%)</a:t>
-              </a:r>
-            </a:p>
-          </p:txBody>
-        </p:sp>
-        <p:sp>
-          <p:nvSpPr>
-            <p:cNvPr id="20" name="tx20"/>
-            <p:cNvSpPr/>
-            <p:nvPr/>
-          </p:nvSpPr>
-          <p:spPr>
-            <a:xfrm>
-              <a:off x="5164793" y="1979267"/>
-              <a:ext cx="200965" cy="132065"/>
-            </a:xfrm>
-            <a:prstGeom prst="rect">
-              <a:avLst/>
-            </a:prstGeom>
-            <a:noFill/>
-          </p:spPr>
-          <p:txBody>
-            <a:bodyPr lIns="0" rIns="0" tIns="0" bIns="0" anchorCtr="1" anchor="ctr" wrap="none"/>
-            <a:lstStyle/>
-            <a:p>
-              <a:pPr algn="l" marL="0" marR="0" indent="0">
-                <a:lnSpc>
-                  <a:spcPts val="1422"/>
-                </a:lnSpc>
-                <a:spcBef>
-                  <a:spcPts val="0"/>
-                </a:spcBef>
-                <a:spcAft>
-                  <a:spcPts val="0"/>
-                </a:spcAft>
-              </a:pPr>
-              <a:r>
-                <a:rPr sz="1422">
-                  <a:solidFill>
-                    <a:srgbClr val="000000">
-                      <a:alpha val="100000"/>
-                    </a:srgbClr>
-                  </a:solidFill>
-                  <a:latin typeface="Arial"/>
-                  <a:cs typeface="Arial"/>
-                </a:rPr>
-                <a:t>48</a:t>
-              </a:r>
-            </a:p>
-          </p:txBody>
-        </p:sp>
-        <p:sp>
-          <p:nvSpPr>
-            <p:cNvPr id="21" name="tx21"/>
-            <p:cNvSpPr/>
-            <p:nvPr/>
-          </p:nvSpPr>
-          <p:spPr>
-            <a:xfrm>
-              <a:off x="5024302" y="2201945"/>
-              <a:ext cx="481947" cy="169559"/>
-            </a:xfrm>
-            <a:prstGeom prst="rect">
-              <a:avLst/>
-            </a:prstGeom>
-            <a:noFill/>
-          </p:spPr>
-          <p:txBody>
-            <a:bodyPr lIns="0" rIns="0" tIns="0" bIns="0" anchorCtr="1" anchor="ctr" wrap="none"/>
-            <a:lstStyle/>
-            <a:p>
-              <a:pPr algn="l" marL="0" marR="0" indent="0">
-                <a:lnSpc>
-                  <a:spcPts val="1422"/>
-                </a:lnSpc>
-                <a:spcBef>
-                  <a:spcPts val="0"/>
-                </a:spcBef>
-                <a:spcAft>
-                  <a:spcPts val="0"/>
-                </a:spcAft>
-              </a:pPr>
-              <a:r>
-                <a:rPr sz="1422">
-                  <a:solidFill>
-                    <a:srgbClr val="000000">
-                      <a:alpha val="100000"/>
-                    </a:srgbClr>
-                  </a:solidFill>
-                  <a:latin typeface="Arial"/>
-                  <a:cs typeface="Arial"/>
-                </a:rPr>
-                <a:t>(33%)</a:t>
-              </a:r>
-            </a:p>
-          </p:txBody>
-        </p:sp>
-        <p:sp>
-          <p:nvSpPr>
-            <p:cNvPr id="22" name="tx22"/>
-            <p:cNvSpPr/>
-            <p:nvPr/>
-          </p:nvSpPr>
-          <p:spPr>
-            <a:xfrm>
-              <a:off x="6090614" y="4107487"/>
-              <a:ext cx="200965" cy="132065"/>
-            </a:xfrm>
-            <a:prstGeom prst="rect">
-              <a:avLst/>
-            </a:prstGeom>
-            <a:noFill/>
-          </p:spPr>
-          <p:txBody>
-            <a:bodyPr lIns="0" rIns="0" tIns="0" bIns="0" anchorCtr="1" anchor="ctr" wrap="none"/>
-            <a:lstStyle/>
-            <a:p>
-              <a:pPr algn="l" marL="0" marR="0" indent="0">
-                <a:lnSpc>
-                  <a:spcPts val="1422"/>
-                </a:lnSpc>
-                <a:spcBef>
-                  <a:spcPts val="0"/>
-                </a:spcBef>
-                <a:spcAft>
-                  <a:spcPts val="0"/>
-                </a:spcAft>
-              </a:pPr>
-              <a:r>
-                <a:rPr sz="1422">
-                  <a:solidFill>
-                    <a:srgbClr val="000000">
-                      <a:alpha val="100000"/>
-                    </a:srgbClr>
-                  </a:solidFill>
-                  <a:latin typeface="Arial"/>
-                  <a:cs typeface="Arial"/>
-                </a:rPr>
-                <a:t>19</a:t>
-              </a:r>
-            </a:p>
-          </p:txBody>
-        </p:sp>
-        <p:sp>
-          <p:nvSpPr>
-            <p:cNvPr id="23" name="tx23"/>
-            <p:cNvSpPr/>
-            <p:nvPr/>
-          </p:nvSpPr>
-          <p:spPr>
-            <a:xfrm>
-              <a:off x="5950123" y="4330165"/>
-              <a:ext cx="481947" cy="169559"/>
-            </a:xfrm>
-            <a:prstGeom prst="rect">
-              <a:avLst/>
-            </a:prstGeom>
-            <a:noFill/>
-          </p:spPr>
-          <p:txBody>
-            <a:bodyPr lIns="0" rIns="0" tIns="0" bIns="0" anchorCtr="1" anchor="ctr" wrap="none"/>
-            <a:lstStyle/>
-            <a:p>
-              <a:pPr algn="l" marL="0" marR="0" indent="0">
-                <a:lnSpc>
-                  <a:spcPts val="1422"/>
-                </a:lnSpc>
-                <a:spcBef>
-                  <a:spcPts val="0"/>
-                </a:spcBef>
-                <a:spcAft>
-                  <a:spcPts val="0"/>
-                </a:spcAft>
-              </a:pPr>
-              <a:r>
-                <a:rPr sz="1422">
-                  <a:solidFill>
-                    <a:srgbClr val="000000">
-                      <a:alpha val="100000"/>
-                    </a:srgbClr>
-                  </a:solidFill>
-                  <a:latin typeface="Arial"/>
-                  <a:cs typeface="Arial"/>
-                </a:rPr>
-                <a:t>(13%)</a:t>
-              </a:r>
-            </a:p>
-          </p:txBody>
-        </p:sp>
-        <p:sp>
-          <p:nvSpPr>
-            <p:cNvPr id="24" name="tx24"/>
-            <p:cNvSpPr/>
-            <p:nvPr/>
-          </p:nvSpPr>
-          <p:spPr>
-            <a:xfrm>
-              <a:off x="7016435" y="4256466"/>
-              <a:ext cx="200965" cy="129860"/>
-            </a:xfrm>
-            <a:prstGeom prst="rect">
-              <a:avLst/>
-            </a:prstGeom>
-            <a:noFill/>
-          </p:spPr>
-          <p:txBody>
-            <a:bodyPr lIns="0" rIns="0" tIns="0" bIns="0" anchorCtr="1" anchor="ctr" wrap="none"/>
-            <a:lstStyle/>
-            <a:p>
-              <a:pPr algn="l" marL="0" marR="0" indent="0">
-                <a:lnSpc>
-                  <a:spcPts val="1422"/>
-                </a:lnSpc>
-                <a:spcBef>
-                  <a:spcPts val="0"/>
-                </a:spcBef>
-                <a:spcAft>
-                  <a:spcPts val="0"/>
-                </a:spcAft>
-              </a:pPr>
-              <a:r>
-                <a:rPr sz="1422">
-                  <a:solidFill>
-                    <a:srgbClr val="000000">
-                      <a:alpha val="100000"/>
-                    </a:srgbClr>
-                  </a:solidFill>
-                  <a:latin typeface="Arial"/>
-                  <a:cs typeface="Arial"/>
-                </a:rPr>
-                <a:t>17</a:t>
-              </a:r>
-            </a:p>
-          </p:txBody>
-        </p:sp>
-        <p:sp>
-          <p:nvSpPr>
-            <p:cNvPr id="25" name="tx25"/>
-            <p:cNvSpPr/>
-            <p:nvPr/>
-          </p:nvSpPr>
-          <p:spPr>
-            <a:xfrm>
-              <a:off x="6875944" y="4476939"/>
-              <a:ext cx="481947" cy="169559"/>
-            </a:xfrm>
-            <a:prstGeom prst="rect">
-              <a:avLst/>
-            </a:prstGeom>
-            <a:noFill/>
-          </p:spPr>
-          <p:txBody>
-            <a:bodyPr lIns="0" rIns="0" tIns="0" bIns="0" anchorCtr="1" anchor="ctr" wrap="none"/>
-            <a:lstStyle/>
-            <a:p>
-              <a:pPr algn="l" marL="0" marR="0" indent="0">
-                <a:lnSpc>
-                  <a:spcPts val="1422"/>
-                </a:lnSpc>
-                <a:spcBef>
-                  <a:spcPts val="0"/>
-                </a:spcBef>
-                <a:spcAft>
-                  <a:spcPts val="0"/>
-                </a:spcAft>
-              </a:pPr>
-              <a:r>
-                <a:rPr sz="1422">
-                  <a:solidFill>
-                    <a:srgbClr val="000000">
-                      <a:alpha val="100000"/>
-                    </a:srgbClr>
-                  </a:solidFill>
-                  <a:latin typeface="Arial"/>
-                  <a:cs typeface="Arial"/>
-                </a:rPr>
-                <a:t>(12%)</a:t>
-              </a:r>
-            </a:p>
-          </p:txBody>
-        </p:sp>
-        <p:sp>
-          <p:nvSpPr>
-            <p:cNvPr id="26" name="tx26"/>
-            <p:cNvSpPr/>
-            <p:nvPr/>
-          </p:nvSpPr>
-          <p:spPr>
-            <a:xfrm>
-              <a:off x="7942256" y="3522597"/>
-              <a:ext cx="200965" cy="129860"/>
-            </a:xfrm>
-            <a:prstGeom prst="rect">
-              <a:avLst/>
-            </a:prstGeom>
-            <a:noFill/>
-          </p:spPr>
-          <p:txBody>
-            <a:bodyPr lIns="0" rIns="0" tIns="0" bIns="0" anchorCtr="1" anchor="ctr" wrap="none"/>
-            <a:lstStyle/>
-            <a:p>
-              <a:pPr algn="l" marL="0" marR="0" indent="0">
-                <a:lnSpc>
-                  <a:spcPts val="1422"/>
-                </a:lnSpc>
-                <a:spcBef>
-                  <a:spcPts val="0"/>
-                </a:spcBef>
-                <a:spcAft>
-                  <a:spcPts val="0"/>
-                </a:spcAft>
-              </a:pPr>
-              <a:r>
-                <a:rPr sz="1422">
-                  <a:solidFill>
-                    <a:srgbClr val="000000">
-                      <a:alpha val="100000"/>
-                    </a:srgbClr>
-                  </a:solidFill>
-                  <a:latin typeface="Arial"/>
-                  <a:cs typeface="Arial"/>
-                </a:rPr>
-                <a:t>27</a:t>
-              </a:r>
-            </a:p>
-          </p:txBody>
-        </p:sp>
-        <p:sp>
-          <p:nvSpPr>
-            <p:cNvPr id="27" name="tx27"/>
-            <p:cNvSpPr/>
-            <p:nvPr/>
-          </p:nvSpPr>
-          <p:spPr>
-            <a:xfrm>
-              <a:off x="7801765" y="3743070"/>
-              <a:ext cx="481947" cy="169559"/>
-            </a:xfrm>
-            <a:prstGeom prst="rect">
-              <a:avLst/>
-            </a:prstGeom>
-            <a:noFill/>
-          </p:spPr>
-          <p:txBody>
-            <a:bodyPr lIns="0" rIns="0" tIns="0" bIns="0" anchorCtr="1" anchor="ctr" wrap="none"/>
-            <a:lstStyle/>
-            <a:p>
-              <a:pPr algn="l" marL="0" marR="0" indent="0">
-                <a:lnSpc>
-                  <a:spcPts val="1422"/>
-                </a:lnSpc>
-                <a:spcBef>
-                  <a:spcPts val="0"/>
-                </a:spcBef>
-                <a:spcAft>
-                  <a:spcPts val="0"/>
-                </a:spcAft>
-              </a:pPr>
-              <a:r>
-                <a:rPr sz="1422">
-                  <a:solidFill>
-                    <a:srgbClr val="000000">
-                      <a:alpha val="100000"/>
-                    </a:srgbClr>
-                  </a:solidFill>
-                  <a:latin typeface="Arial"/>
-                  <a:cs typeface="Arial"/>
-                </a:rPr>
-                <a:t>(19%)</a:t>
               </a:r>
             </a:p>
           </p:txBody>
@@ -3959,7 +3959,53 @@
           </p:nvSpPr>
           <p:spPr>
             <a:xfrm>
-              <a:off x="1220989" y="6168836"/>
+              <a:off x="1157737" y="6169282"/>
+              <a:ext cx="808508" cy="110876"/>
+            </a:xfrm>
+            <a:prstGeom prst="rect">
+              <a:avLst/>
+            </a:prstGeom>
+            <a:noFill/>
+          </p:spPr>
+          <p:txBody>
+            <a:bodyPr lIns="0" rIns="0" tIns="0" bIns="0" anchorCtr="1" anchor="ctr" wrap="none"/>
+            <a:lstStyle/>
+            <a:p>
+              <a:pPr algn="l" marL="0" marR="0" indent="0">
+                <a:lnSpc>
+                  <a:spcPts val="1200"/>
+                </a:lnSpc>
+                <a:spcBef>
+                  <a:spcPts val="0"/>
+                </a:spcBef>
+                <a:spcAft>
+                  <a:spcPts val="0"/>
+                </a:spcAft>
+              </a:pPr>
+              <a:r>
+                <a:rPr sz="1200">
+                  <a:solidFill>
+                    <a:srgbClr val="000000">
+                      <a:alpha val="100000"/>
+                    </a:srgbClr>
+                  </a:solidFill>
+                  <a:latin typeface="Arial"/>
+                  <a:cs typeface="Arial"/>
+                </a:rPr>
+                <a:t>I don't know</a:t>
+              </a:r>
+            </a:p>
+          </p:txBody>
+        </p:sp>
+        <p:sp>
+          <p:nvSpPr>
+            <p:cNvPr id="47" name="tx47"/>
+            <p:cNvSpPr/>
+            <p:nvPr/>
+          </p:nvSpPr>
+          <p:spPr>
+            <a:xfrm>
+              <a:off x="2146810" y="6168836"/>
               <a:ext cx="682004" cy="111323"/>
             </a:xfrm>
             <a:prstGeom prst="rect">
@@ -3999,13 +4045,13 @@
         </p:sp>
         <p:sp>
           <p:nvSpPr>
-            <p:cNvPr id="47" name="tx47"/>
-            <p:cNvSpPr/>
-            <p:nvPr/>
-          </p:nvSpPr>
-          <p:spPr>
-            <a:xfrm>
-              <a:off x="2106627" y="6168687"/>
+            <p:cNvPr id="48" name="tx48"/>
+            <p:cNvSpPr/>
+            <p:nvPr/>
+          </p:nvSpPr>
+          <p:spPr>
+            <a:xfrm>
+              <a:off x="3032448" y="6168687"/>
               <a:ext cx="762372" cy="111472"/>
             </a:xfrm>
             <a:prstGeom prst="rect">
@@ -4045,13 +4091,13 @@
         </p:sp>
         <p:sp>
           <p:nvSpPr>
-            <p:cNvPr id="48" name="tx48"/>
-            <p:cNvSpPr/>
-            <p:nvPr/>
-          </p:nvSpPr>
-          <p:spPr>
-            <a:xfrm>
-              <a:off x="2990069" y="6168836"/>
+            <p:cNvPr id="49" name="tx49"/>
+            <p:cNvSpPr/>
+            <p:nvPr/>
+          </p:nvSpPr>
+          <p:spPr>
+            <a:xfrm>
+              <a:off x="3915890" y="6168836"/>
               <a:ext cx="847129" cy="111323"/>
             </a:xfrm>
             <a:prstGeom prst="rect">
@@ -4091,52 +4137,6 @@
         </p:sp>
         <p:sp>
           <p:nvSpPr>
-            <p:cNvPr id="49" name="tx49"/>
-            <p:cNvSpPr/>
-            <p:nvPr/>
-          </p:nvSpPr>
-          <p:spPr>
-            <a:xfrm>
-              <a:off x="4002694" y="6138549"/>
-              <a:ext cx="673521" cy="141609"/>
-            </a:xfrm>
-            <a:prstGeom prst="rect">
-              <a:avLst/>
-            </a:prstGeom>
-            <a:noFill/>
-          </p:spPr>
-          <p:txBody>
-            <a:bodyPr lIns="0" rIns="0" tIns="0" bIns="0" anchorCtr="1" anchor="ctr" wrap="none"/>
-            <a:lstStyle/>
-            <a:p>
-              <a:pPr algn="l" marL="0" marR="0" indent="0">
-                <a:lnSpc>
-                  <a:spcPts val="1200"/>
-                </a:lnSpc>
-                <a:spcBef>
-                  <a:spcPts val="0"/>
-                </a:spcBef>
-                <a:spcAft>
-                  <a:spcPts val="0"/>
-                </a:spcAft>
-              </a:pPr>
-              <a:r>
-                <a:rPr sz="1200">
-                  <a:solidFill>
-                    <a:srgbClr val="000000">
-                      <a:alpha val="100000"/>
-                    </a:srgbClr>
-                  </a:solidFill>
-                  <a:latin typeface="Arial"/>
-                  <a:cs typeface="Arial"/>
-                </a:rPr>
-                <a:t>&gt;20 years</a:t>
-              </a:r>
-            </a:p>
-          </p:txBody>
-        </p:sp>
-        <p:sp>
-          <p:nvSpPr>
             <p:cNvPr id="50" name="tx50"/>
             <p:cNvSpPr/>
             <p:nvPr/>
@@ -4281,8 +4281,8 @@
           </p:nvSpPr>
           <p:spPr>
             <a:xfrm>
-              <a:off x="7638485" y="6169282"/>
-              <a:ext cx="808508" cy="110876"/>
+              <a:off x="7705978" y="6138549"/>
+              <a:ext cx="673521" cy="141609"/>
             </a:xfrm>
             <a:prstGeom prst="rect">
               <a:avLst/>
@@ -4314,7 +4314,7 @@
                   <a:latin typeface="Arial"/>
                   <a:cs typeface="Arial"/>
                 </a:rPr>
-                <a:t>I don't know</a:t>
+                <a:t>&gt;20 years</a:t>
               </a:r>
             </a:p>
           </p:txBody>

--- a/results/figures/pptx/impact_work_s3.pptx
+++ b/results/figures/pptx/impact_work_s3.pptx
@@ -2271,8 +2271,8 @@
           </p:nvSpPr>
           <p:spPr>
             <a:xfrm>
-              <a:off x="1145372" y="4107381"/>
-              <a:ext cx="833238" cy="1981446"/>
+              <a:off x="1145372" y="3549299"/>
+              <a:ext cx="833238" cy="2539527"/>
             </a:xfrm>
             <a:prstGeom prst="rect">
               <a:avLst/>
@@ -2297,8 +2297,8 @@
           </p:nvSpPr>
           <p:spPr>
             <a:xfrm>
-              <a:off x="2071193" y="5942053"/>
-              <a:ext cx="833238" cy="146773"/>
+              <a:off x="2071193" y="5843066"/>
+              <a:ext cx="833238" cy="245760"/>
             </a:xfrm>
             <a:prstGeom prst="rect">
               <a:avLst/>
@@ -2323,8 +2323,8 @@
           </p:nvSpPr>
           <p:spPr>
             <a:xfrm>
-              <a:off x="2997014" y="5501731"/>
-              <a:ext cx="833238" cy="587095"/>
+              <a:off x="2997014" y="5597305"/>
+              <a:ext cx="833238" cy="491521"/>
             </a:xfrm>
             <a:prstGeom prst="rect">
               <a:avLst/>
@@ -2349,8 +2349,8 @@
           </p:nvSpPr>
           <p:spPr>
             <a:xfrm>
-              <a:off x="3922835" y="5575118"/>
-              <a:ext cx="833238" cy="513708"/>
+              <a:off x="3922835" y="5515385"/>
+              <a:ext cx="833238" cy="573441"/>
             </a:xfrm>
             <a:prstGeom prst="rect">
               <a:avLst/>
@@ -2401,8 +2401,8 @@
           </p:nvSpPr>
           <p:spPr>
             <a:xfrm>
-              <a:off x="5774477" y="4694476"/>
-              <a:ext cx="833238" cy="1394350"/>
+              <a:off x="5774477" y="4368501"/>
+              <a:ext cx="833238" cy="1720325"/>
             </a:xfrm>
             <a:prstGeom prst="rect">
               <a:avLst/>
@@ -2427,8 +2427,8 @@
           </p:nvSpPr>
           <p:spPr>
             <a:xfrm>
-              <a:off x="6700298" y="4841249"/>
-              <a:ext cx="833238" cy="1247577"/>
+              <a:off x="6700298" y="4860023"/>
+              <a:ext cx="833238" cy="1228803"/>
             </a:xfrm>
             <a:prstGeom prst="rect">
               <a:avLst/>
@@ -2453,8 +2453,8 @@
           </p:nvSpPr>
           <p:spPr>
             <a:xfrm>
-              <a:off x="7626120" y="4914636"/>
-              <a:ext cx="833238" cy="1174190"/>
+              <a:off x="7626120" y="4860023"/>
+              <a:ext cx="833238" cy="1228803"/>
             </a:xfrm>
             <a:prstGeom prst="rect">
               <a:avLst/>
@@ -2479,8 +2479,8 @@
           </p:nvSpPr>
           <p:spPr>
             <a:xfrm>
-              <a:off x="1481605" y="3639554"/>
-              <a:ext cx="160772" cy="103888"/>
+              <a:off x="1481605" y="3079637"/>
+              <a:ext cx="160772" cy="105723"/>
             </a:xfrm>
             <a:prstGeom prst="rect">
               <a:avLst/>
@@ -2512,7 +2512,7 @@
                   <a:latin typeface="Arial"/>
                   <a:cs typeface="Arial"/>
                 </a:rPr>
-                <a:t>27</a:t>
+                <a:t>31</a:t>
               </a:r>
             </a:p>
           </p:txBody>
@@ -2525,7 +2525,7 @@
           </p:nvSpPr>
           <p:spPr>
             <a:xfrm>
-              <a:off x="1369213" y="3815932"/>
+              <a:off x="1369213" y="3257850"/>
               <a:ext cx="385557" cy="135647"/>
             </a:xfrm>
             <a:prstGeom prst="rect">
@@ -2558,7 +2558,7 @@
                   <a:latin typeface="Arial"/>
                   <a:cs typeface="Arial"/>
                 </a:rPr>
-                <a:t>(19%)</a:t>
+                <a:t>(22%)</a:t>
               </a:r>
             </a:p>
           </p:txBody>
@@ -2571,8 +2571,8 @@
           </p:nvSpPr>
           <p:spPr>
             <a:xfrm>
-              <a:off x="2447619" y="5474226"/>
-              <a:ext cx="80386" cy="103888"/>
+              <a:off x="2447619" y="5373404"/>
+              <a:ext cx="80386" cy="105723"/>
             </a:xfrm>
             <a:prstGeom prst="rect">
               <a:avLst/>
@@ -2604,7 +2604,7 @@
                   <a:latin typeface="Arial"/>
                   <a:cs typeface="Arial"/>
                 </a:rPr>
-                <a:t>2</a:t>
+                <a:t>3</a:t>
               </a:r>
             </a:p>
           </p:txBody>
@@ -2617,7 +2617,7 @@
           </p:nvSpPr>
           <p:spPr>
             <a:xfrm>
-              <a:off x="2335227" y="5650604"/>
+              <a:off x="2335227" y="5551617"/>
               <a:ext cx="305171" cy="135647"/>
             </a:xfrm>
             <a:prstGeom prst="rect">
@@ -2650,7 +2650,7 @@
                   <a:latin typeface="Arial"/>
                   <a:cs typeface="Arial"/>
                 </a:rPr>
-                <a:t>(1%)</a:t>
+                <a:t>(2%)</a:t>
               </a:r>
             </a:p>
           </p:txBody>
@@ -2663,7 +2663,7 @@
           </p:nvSpPr>
           <p:spPr>
             <a:xfrm>
-              <a:off x="3373441" y="5032140"/>
+              <a:off x="3373441" y="5127714"/>
               <a:ext cx="80386" cy="105652"/>
             </a:xfrm>
             <a:prstGeom prst="rect">
@@ -2696,7 +2696,7 @@
                   <a:latin typeface="Arial"/>
                   <a:cs typeface="Arial"/>
                 </a:rPr>
-                <a:t>8</a:t>
+                <a:t>6</a:t>
               </a:r>
             </a:p>
           </p:txBody>
@@ -2709,7 +2709,7 @@
           </p:nvSpPr>
           <p:spPr>
             <a:xfrm>
-              <a:off x="3261048" y="5210283"/>
+              <a:off x="3261048" y="5305857"/>
               <a:ext cx="305171" cy="135647"/>
             </a:xfrm>
             <a:prstGeom prst="rect">
@@ -2742,7 +2742,7 @@
                   <a:latin typeface="Arial"/>
                   <a:cs typeface="Arial"/>
                 </a:rPr>
-                <a:t>(6%)</a:t>
+                <a:t>(4%)</a:t>
               </a:r>
             </a:p>
           </p:txBody>
@@ -2755,7 +2755,7 @@
           </p:nvSpPr>
           <p:spPr>
             <a:xfrm>
-              <a:off x="4299262" y="5109056"/>
+              <a:off x="4299262" y="5049322"/>
               <a:ext cx="80386" cy="102123"/>
             </a:xfrm>
             <a:prstGeom prst="rect">
@@ -2801,7 +2801,7 @@
           </p:nvSpPr>
           <p:spPr>
             <a:xfrm>
-              <a:off x="4186869" y="5283670"/>
+              <a:off x="4186869" y="5223936"/>
               <a:ext cx="305171" cy="135647"/>
             </a:xfrm>
             <a:prstGeom prst="rect">
@@ -2847,8 +2847,8 @@
           </p:nvSpPr>
           <p:spPr>
             <a:xfrm>
-              <a:off x="5184890" y="2096665"/>
-              <a:ext cx="160772" cy="105652"/>
+              <a:off x="5184890" y="2096594"/>
+              <a:ext cx="160772" cy="105723"/>
             </a:xfrm>
             <a:prstGeom prst="rect">
               <a:avLst/>
@@ -2880,7 +2880,7 @@
                   <a:latin typeface="Arial"/>
                   <a:cs typeface="Arial"/>
                 </a:rPr>
-                <a:t>48</a:t>
+                <a:t>43</a:t>
               </a:r>
             </a:p>
           </p:txBody>
@@ -2926,7 +2926,7 @@
                   <a:latin typeface="Arial"/>
                   <a:cs typeface="Arial"/>
                 </a:rPr>
-                <a:t>(33%)</a:t>
+                <a:t>(30%)</a:t>
               </a:r>
             </a:p>
           </p:txBody>
@@ -2939,8 +2939,8 @@
           </p:nvSpPr>
           <p:spPr>
             <a:xfrm>
-              <a:off x="6110711" y="4224884"/>
-              <a:ext cx="160772" cy="105652"/>
+              <a:off x="6110711" y="3900674"/>
+              <a:ext cx="160772" cy="103888"/>
             </a:xfrm>
             <a:prstGeom prst="rect">
               <a:avLst/>
@@ -2972,7 +2972,7 @@
                   <a:latin typeface="Arial"/>
                   <a:cs typeface="Arial"/>
                 </a:rPr>
-                <a:t>19</a:t>
+                <a:t>21</a:t>
               </a:r>
             </a:p>
           </p:txBody>
@@ -2985,7 +2985,7 @@
           </p:nvSpPr>
           <p:spPr>
             <a:xfrm>
-              <a:off x="5998318" y="4403027"/>
+              <a:off x="5998318" y="4077053"/>
               <a:ext cx="385557" cy="135647"/>
             </a:xfrm>
             <a:prstGeom prst="rect">
@@ -3018,7 +3018,7 @@
                   <a:latin typeface="Arial"/>
                   <a:cs typeface="Arial"/>
                 </a:rPr>
-                <a:t>(13%)</a:t>
+                <a:t>(15%)</a:t>
               </a:r>
             </a:p>
           </p:txBody>
@@ -3031,8 +3031,8 @@
           </p:nvSpPr>
           <p:spPr>
             <a:xfrm>
-              <a:off x="7036532" y="4373423"/>
-              <a:ext cx="160772" cy="103888"/>
+              <a:off x="7036532" y="4390432"/>
+              <a:ext cx="160772" cy="105652"/>
             </a:xfrm>
             <a:prstGeom prst="rect">
               <a:avLst/>
@@ -3064,7 +3064,7 @@
                   <a:latin typeface="Arial"/>
                   <a:cs typeface="Arial"/>
                 </a:rPr>
-                <a:t>17</a:t>
+                <a:t>15</a:t>
               </a:r>
             </a:p>
           </p:txBody>
@@ -3077,7 +3077,7 @@
           </p:nvSpPr>
           <p:spPr>
             <a:xfrm>
-              <a:off x="6924139" y="4549801"/>
+              <a:off x="6924139" y="4568574"/>
               <a:ext cx="385557" cy="135647"/>
             </a:xfrm>
             <a:prstGeom prst="rect">
@@ -3110,7 +3110,7 @@
                   <a:latin typeface="Arial"/>
                   <a:cs typeface="Arial"/>
                 </a:rPr>
-                <a:t>(12%)</a:t>
+                <a:t>(11%)</a:t>
               </a:r>
             </a:p>
           </p:txBody>
@@ -3123,7 +3123,7 @@
           </p:nvSpPr>
           <p:spPr>
             <a:xfrm>
-              <a:off x="7962353" y="4445045"/>
+              <a:off x="7962353" y="4390432"/>
               <a:ext cx="160772" cy="105652"/>
             </a:xfrm>
             <a:prstGeom prst="rect">
@@ -3156,7 +3156,7 @@
                   <a:latin typeface="Arial"/>
                   <a:cs typeface="Arial"/>
                 </a:rPr>
-                <a:t>16</a:t>
+                <a:t>15</a:t>
               </a:r>
             </a:p>
           </p:txBody>
@@ -3169,7 +3169,7 @@
           </p:nvSpPr>
           <p:spPr>
             <a:xfrm>
-              <a:off x="7849960" y="4623188"/>
+              <a:off x="7849960" y="4568574"/>
               <a:ext cx="385557" cy="135647"/>
             </a:xfrm>
             <a:prstGeom prst="rect">
@@ -3301,7 +3301,53 @@
           </p:nvSpPr>
           <p:spPr>
             <a:xfrm>
-              <a:off x="754742" y="4564236"/>
+              <a:off x="754742" y="5212772"/>
+              <a:ext cx="169515" cy="111397"/>
+            </a:xfrm>
+            <a:prstGeom prst="rect">
+              <a:avLst/>
+            </a:prstGeom>
+            <a:noFill/>
+          </p:spPr>
+          <p:txBody>
+            <a:bodyPr lIns="0" rIns="0" tIns="0" bIns="0" anchorCtr="1" anchor="ctr" wrap="none"/>
+            <a:lstStyle/>
+            <a:p>
+              <a:pPr algn="l" marL="0" marR="0" indent="0">
+                <a:lnSpc>
+                  <a:spcPts val="1200"/>
+                </a:lnSpc>
+                <a:spcBef>
+                  <a:spcPts val="0"/>
+                </a:spcBef>
+                <a:spcAft>
+                  <a:spcPts val="0"/>
+                </a:spcAft>
+              </a:pPr>
+              <a:r>
+                <a:rPr sz="1200">
+                  <a:solidFill>
+                    <a:srgbClr val="000000">
+                      <a:alpha val="100000"/>
+                    </a:srgbClr>
+                  </a:solidFill>
+                  <a:latin typeface="Arial"/>
+                  <a:cs typeface="Arial"/>
+                </a:rPr>
+                <a:t>10</a:t>
+              </a:r>
+            </a:p>
+          </p:txBody>
+        </p:sp>
+        <p:sp>
+          <p:nvSpPr>
+            <p:cNvPr id="31" name="tx31"/>
+            <p:cNvSpPr/>
+            <p:nvPr/>
+          </p:nvSpPr>
+          <p:spPr>
+            <a:xfrm>
+              <a:off x="754742" y="4393569"/>
               <a:ext cx="169515" cy="111397"/>
             </a:xfrm>
             <a:prstGeom prst="rect">
@@ -3341,13 +3387,59 @@
         </p:sp>
         <p:sp>
           <p:nvSpPr>
-            <p:cNvPr id="31" name="tx31"/>
-            <p:cNvSpPr/>
-            <p:nvPr/>
-          </p:nvSpPr>
-          <p:spPr>
-            <a:xfrm>
-              <a:off x="754742" y="3096499"/>
+            <p:cNvPr id="32" name="tx32"/>
+            <p:cNvSpPr/>
+            <p:nvPr/>
+          </p:nvSpPr>
+          <p:spPr>
+            <a:xfrm>
+              <a:off x="754742" y="3574292"/>
+              <a:ext cx="169515" cy="111472"/>
+            </a:xfrm>
+            <a:prstGeom prst="rect">
+              <a:avLst/>
+            </a:prstGeom>
+            <a:noFill/>
+          </p:spPr>
+          <p:txBody>
+            <a:bodyPr lIns="0" rIns="0" tIns="0" bIns="0" anchorCtr="1" anchor="ctr" wrap="none"/>
+            <a:lstStyle/>
+            <a:p>
+              <a:pPr algn="l" marL="0" marR="0" indent="0">
+                <a:lnSpc>
+                  <a:spcPts val="1200"/>
+                </a:lnSpc>
+                <a:spcBef>
+                  <a:spcPts val="0"/>
+                </a:spcBef>
+                <a:spcAft>
+                  <a:spcPts val="0"/>
+                </a:spcAft>
+              </a:pPr>
+              <a:r>
+                <a:rPr sz="1200">
+                  <a:solidFill>
+                    <a:srgbClr val="000000">
+                      <a:alpha val="100000"/>
+                    </a:srgbClr>
+                  </a:solidFill>
+                  <a:latin typeface="Arial"/>
+                  <a:cs typeface="Arial"/>
+                </a:rPr>
+                <a:t>30</a:t>
+              </a:r>
+            </a:p>
+          </p:txBody>
+        </p:sp>
+        <p:sp>
+          <p:nvSpPr>
+            <p:cNvPr id="33" name="tx33"/>
+            <p:cNvSpPr/>
+            <p:nvPr/>
+          </p:nvSpPr>
+          <p:spPr>
+            <a:xfrm>
+              <a:off x="754742" y="2755164"/>
               <a:ext cx="169515" cy="111397"/>
             </a:xfrm>
             <a:prstGeom prst="rect">
@@ -3387,13 +3479,13 @@
         </p:sp>
         <p:sp>
           <p:nvSpPr>
-            <p:cNvPr id="32" name="tx32"/>
-            <p:cNvSpPr/>
-            <p:nvPr/>
-          </p:nvSpPr>
-          <p:spPr>
-            <a:xfrm>
-              <a:off x="754742" y="1628761"/>
+            <p:cNvPr id="34" name="tx34"/>
+            <p:cNvSpPr/>
+            <p:nvPr/>
+          </p:nvSpPr>
+          <p:spPr>
+            <a:xfrm>
+              <a:off x="754742" y="1935962"/>
               <a:ext cx="169515" cy="111397"/>
             </a:xfrm>
             <a:prstGeom prst="rect">
@@ -3426,14 +3518,14 @@
                   <a:latin typeface="Arial"/>
                   <a:cs typeface="Arial"/>
                 </a:rPr>
-                <a:t>60</a:t>
+                <a:t>50</a:t>
               </a:r>
             </a:p>
           </p:txBody>
         </p:sp>
         <p:sp>
           <p:nvSpPr>
-            <p:cNvPr id="33" name="pl33"/>
+            <p:cNvPr id="35" name="pl35"/>
             <p:cNvSpPr/>
             <p:nvPr/>
           </p:nvSpPr>
@@ -3473,13 +3565,13 @@
         </p:sp>
         <p:sp>
           <p:nvSpPr>
-            <p:cNvPr id="34" name="pl34"/>
-            <p:cNvSpPr/>
-            <p:nvPr/>
-          </p:nvSpPr>
-          <p:spPr>
-            <a:xfrm>
-              <a:off x="962215" y="4621089"/>
+            <p:cNvPr id="36" name="pl36"/>
+            <p:cNvSpPr/>
+            <p:nvPr/>
+          </p:nvSpPr>
+          <p:spPr>
+            <a:xfrm>
+              <a:off x="962215" y="5269624"/>
               <a:ext cx="44283" cy="0"/>
             </a:xfrm>
             <a:custGeom>
@@ -3513,13 +3605,13 @@
         </p:sp>
         <p:sp>
           <p:nvSpPr>
-            <p:cNvPr id="35" name="pl35"/>
-            <p:cNvSpPr/>
-            <p:nvPr/>
-          </p:nvSpPr>
-          <p:spPr>
-            <a:xfrm>
-              <a:off x="962215" y="3153351"/>
+            <p:cNvPr id="37" name="pl37"/>
+            <p:cNvSpPr/>
+            <p:nvPr/>
+          </p:nvSpPr>
+          <p:spPr>
+            <a:xfrm>
+              <a:off x="962215" y="4450422"/>
               <a:ext cx="44283" cy="0"/>
             </a:xfrm>
             <a:custGeom>
@@ -3553,13 +3645,13 @@
         </p:sp>
         <p:sp>
           <p:nvSpPr>
-            <p:cNvPr id="36" name="pl36"/>
-            <p:cNvSpPr/>
-            <p:nvPr/>
-          </p:nvSpPr>
-          <p:spPr>
-            <a:xfrm>
-              <a:off x="962215" y="1685613"/>
+            <p:cNvPr id="38" name="pl38"/>
+            <p:cNvSpPr/>
+            <p:nvPr/>
+          </p:nvSpPr>
+          <p:spPr>
+            <a:xfrm>
+              <a:off x="962215" y="3631219"/>
               <a:ext cx="44283" cy="0"/>
             </a:xfrm>
             <a:custGeom>
@@ -3593,7 +3685,87 @@
         </p:sp>
         <p:sp>
           <p:nvSpPr>
-            <p:cNvPr id="37" name="pl37"/>
+            <p:cNvPr id="39" name="pl39"/>
+            <p:cNvSpPr/>
+            <p:nvPr/>
+          </p:nvSpPr>
+          <p:spPr>
+            <a:xfrm>
+              <a:off x="962215" y="2812017"/>
+              <a:ext cx="44283" cy="0"/>
+            </a:xfrm>
+            <a:custGeom>
+              <a:avLst/>
+              <a:pathLst>
+                <a:path w="44283" h="0">
+                  <a:moveTo>
+                    <a:pt x="0" y="0"/>
+                  </a:moveTo>
+                  <a:lnTo>
+                    <a:pt x="44283" y="0"/>
+                  </a:lnTo>
+                </a:path>
+              </a:pathLst>
+            </a:custGeom>
+            <a:ln w="13550" cap="flat">
+              <a:solidFill>
+                <a:srgbClr val="000000">
+                  <a:alpha val="100000"/>
+                </a:srgbClr>
+              </a:solidFill>
+              <a:prstDash val="solid"/>
+              <a:round/>
+            </a:ln>
+          </p:spPr>
+          <p:txBody>
+            <a:bodyPr/>
+            <a:lstStyle/>
+            <a:p/>
+          </p:txBody>
+        </p:sp>
+        <p:sp>
+          <p:nvSpPr>
+            <p:cNvPr id="40" name="pl40"/>
+            <p:cNvSpPr/>
+            <p:nvPr/>
+          </p:nvSpPr>
+          <p:spPr>
+            <a:xfrm>
+              <a:off x="962215" y="1992814"/>
+              <a:ext cx="44283" cy="0"/>
+            </a:xfrm>
+            <a:custGeom>
+              <a:avLst/>
+              <a:pathLst>
+                <a:path w="44283" h="0">
+                  <a:moveTo>
+                    <a:pt x="0" y="0"/>
+                  </a:moveTo>
+                  <a:lnTo>
+                    <a:pt x="44283" y="0"/>
+                  </a:lnTo>
+                </a:path>
+              </a:pathLst>
+            </a:custGeom>
+            <a:ln w="13550" cap="flat">
+              <a:solidFill>
+                <a:srgbClr val="000000">
+                  <a:alpha val="100000"/>
+                </a:srgbClr>
+              </a:solidFill>
+              <a:prstDash val="solid"/>
+              <a:round/>
+            </a:ln>
+          </p:spPr>
+          <p:txBody>
+            <a:bodyPr/>
+            <a:lstStyle/>
+            <a:p/>
+          </p:txBody>
+        </p:sp>
+        <p:sp>
+          <p:nvSpPr>
+            <p:cNvPr id="41" name="pl41"/>
             <p:cNvSpPr/>
             <p:nvPr/>
           </p:nvSpPr>
@@ -3633,7 +3805,7 @@
         </p:sp>
         <p:sp>
           <p:nvSpPr>
-            <p:cNvPr id="38" name="pl38"/>
+            <p:cNvPr id="42" name="pl42"/>
             <p:cNvSpPr/>
             <p:nvPr/>
           </p:nvSpPr>
@@ -3673,7 +3845,7 @@
         </p:sp>
         <p:sp>
           <p:nvSpPr>
-            <p:cNvPr id="39" name="pl39"/>
+            <p:cNvPr id="43" name="pl43"/>
             <p:cNvSpPr/>
             <p:nvPr/>
           </p:nvSpPr>
@@ -3713,7 +3885,7 @@
         </p:sp>
         <p:sp>
           <p:nvSpPr>
-            <p:cNvPr id="40" name="pl40"/>
+            <p:cNvPr id="44" name="pl44"/>
             <p:cNvSpPr/>
             <p:nvPr/>
           </p:nvSpPr>
@@ -3753,7 +3925,7 @@
         </p:sp>
         <p:sp>
           <p:nvSpPr>
-            <p:cNvPr id="41" name="pl41"/>
+            <p:cNvPr id="45" name="pl45"/>
             <p:cNvSpPr/>
             <p:nvPr/>
           </p:nvSpPr>
@@ -3793,7 +3965,7 @@
         </p:sp>
         <p:sp>
           <p:nvSpPr>
-            <p:cNvPr id="42" name="pl42"/>
+            <p:cNvPr id="46" name="pl46"/>
             <p:cNvSpPr/>
             <p:nvPr/>
           </p:nvSpPr>
@@ -3833,7 +4005,7 @@
         </p:sp>
         <p:sp>
           <p:nvSpPr>
-            <p:cNvPr id="43" name="pl43"/>
+            <p:cNvPr id="47" name="pl47"/>
             <p:cNvSpPr/>
             <p:nvPr/>
           </p:nvSpPr>
@@ -3873,7 +4045,7 @@
         </p:sp>
         <p:sp>
           <p:nvSpPr>
-            <p:cNvPr id="44" name="pl44"/>
+            <p:cNvPr id="48" name="pl48"/>
             <p:cNvSpPr/>
             <p:nvPr/>
           </p:nvSpPr>
@@ -3913,7 +4085,7 @@
         </p:sp>
         <p:sp>
           <p:nvSpPr>
-            <p:cNvPr id="45" name="pl45"/>
+            <p:cNvPr id="49" name="pl49"/>
             <p:cNvSpPr/>
             <p:nvPr/>
           </p:nvSpPr>
@@ -3953,7 +4125,7 @@
         </p:sp>
         <p:sp>
           <p:nvSpPr>
-            <p:cNvPr id="46" name="tx46"/>
+            <p:cNvPr id="50" name="tx50"/>
             <p:cNvSpPr/>
             <p:nvPr/>
           </p:nvSpPr>
@@ -3999,7 +4171,7 @@
         </p:sp>
         <p:sp>
           <p:nvSpPr>
-            <p:cNvPr id="47" name="tx47"/>
+            <p:cNvPr id="51" name="tx51"/>
             <p:cNvSpPr/>
             <p:nvPr/>
           </p:nvSpPr>
@@ -4045,7 +4217,7 @@
         </p:sp>
         <p:sp>
           <p:nvSpPr>
-            <p:cNvPr id="48" name="tx48"/>
+            <p:cNvPr id="52" name="tx52"/>
             <p:cNvSpPr/>
             <p:nvPr/>
           </p:nvSpPr>
@@ -4091,7 +4263,7 @@
         </p:sp>
         <p:sp>
           <p:nvSpPr>
-            <p:cNvPr id="49" name="tx49"/>
+            <p:cNvPr id="53" name="tx53"/>
             <p:cNvSpPr/>
             <p:nvPr/>
           </p:nvSpPr>
@@ -4137,7 +4309,7 @@
         </p:sp>
         <p:sp>
           <p:nvSpPr>
-            <p:cNvPr id="50" name="tx50"/>
+            <p:cNvPr id="54" name="tx54"/>
             <p:cNvSpPr/>
             <p:nvPr/>
           </p:nvSpPr>
@@ -4183,7 +4355,7 @@
         </p:sp>
         <p:sp>
           <p:nvSpPr>
-            <p:cNvPr id="51" name="tx51"/>
+            <p:cNvPr id="55" name="tx55"/>
             <p:cNvSpPr/>
             <p:nvPr/>
           </p:nvSpPr>
@@ -4229,7 +4401,7 @@
         </p:sp>
         <p:sp>
           <p:nvSpPr>
-            <p:cNvPr id="52" name="tx52"/>
+            <p:cNvPr id="56" name="tx56"/>
             <p:cNvSpPr/>
             <p:nvPr/>
           </p:nvSpPr>
@@ -4275,7 +4447,7 @@
         </p:sp>
         <p:sp>
           <p:nvSpPr>
-            <p:cNvPr id="53" name="tx53"/>
+            <p:cNvPr id="57" name="tx57"/>
             <p:cNvSpPr/>
             <p:nvPr/>
           </p:nvSpPr>
@@ -4321,7 +4493,7 @@
         </p:sp>
         <p:sp>
           <p:nvSpPr>
-            <p:cNvPr id="54" name="tx54"/>
+            <p:cNvPr id="58" name="tx58"/>
             <p:cNvSpPr/>
             <p:nvPr/>
           </p:nvSpPr>
@@ -4367,7 +4539,7 @@
         </p:sp>
         <p:sp>
           <p:nvSpPr>
-            <p:cNvPr id="55" name="tx55"/>
+            <p:cNvPr id="59" name="tx59"/>
             <p:cNvSpPr/>
             <p:nvPr/>
           </p:nvSpPr>
@@ -4406,14 +4578,14 @@
                   <a:latin typeface="Arial"/>
                   <a:cs typeface="Arial"/>
                 </a:rPr>
-                <a:t>Time not working because of the illness (N=144).</a:t>
+                <a:t>Time not working because of the illness (N=141).</a:t>
               </a:r>
             </a:p>
           </p:txBody>
         </p:sp>
         <p:sp>
           <p:nvSpPr>
-            <p:cNvPr id="56" name="tx56"/>
+            <p:cNvPr id="60" name="tx60"/>
             <p:cNvSpPr/>
             <p:nvPr/>
           </p:nvSpPr>
